--- a/151402090.pptx
+++ b/151402090.pptx
@@ -37,21 +37,21 @@
       <p:regular r:id="rId23"/>
     </p:embeddedFont>
     <p:embeddedFont>
-      <p:font typeface="Barlow Semi Condensed" panose="020B0604020202020204" charset="0"/>
+      <p:font typeface="Barlow Semi Condensed" panose="00000506000000000000" pitchFamily="2" charset="0"/>
       <p:regular r:id="rId24"/>
       <p:bold r:id="rId25"/>
       <p:italic r:id="rId26"/>
       <p:boldItalic r:id="rId27"/>
     </p:embeddedFont>
     <p:embeddedFont>
-      <p:font typeface="Barlow Semi Condensed Medium" panose="020B0604020202020204" charset="0"/>
+      <p:font typeface="Barlow Semi Condensed Medium" panose="00000606000000000000" pitchFamily="2" charset="0"/>
       <p:regular r:id="rId28"/>
       <p:bold r:id="rId29"/>
       <p:italic r:id="rId30"/>
       <p:boldItalic r:id="rId31"/>
     </p:embeddedFont>
     <p:embeddedFont>
-      <p:font typeface="Barlow Semi Condensed SemiBold" panose="020B0604020202020204" charset="0"/>
+      <p:font typeface="Barlow Semi Condensed SemiBold" panose="00000706000000000000" pitchFamily="2" charset="0"/>
       <p:regular r:id="rId32"/>
       <p:bold r:id="rId33"/>
       <p:italic r:id="rId34"/>
@@ -65,14 +65,14 @@
       <p:boldItalic r:id="rId39"/>
     </p:embeddedFont>
     <p:embeddedFont>
-      <p:font typeface="Roboto Condensed" panose="020B0604020202020204" charset="0"/>
+      <p:font typeface="Roboto Condensed" panose="02000000000000000000" pitchFamily="2" charset="0"/>
       <p:regular r:id="rId40"/>
       <p:bold r:id="rId41"/>
       <p:italic r:id="rId42"/>
       <p:boldItalic r:id="rId43"/>
     </p:embeddedFont>
     <p:embeddedFont>
-      <p:font typeface="Roboto Condensed Light" panose="020B0604020202020204" charset="0"/>
+      <p:font typeface="Roboto Condensed Light" panose="02000000000000000000" pitchFamily="2" charset="0"/>
       <p:regular r:id="rId44"/>
       <p:bold r:id="rId45"/>
       <p:italic r:id="rId46"/>
@@ -22116,31 +22116,8 @@
           <a:p>
             <a:pPr algn="ctr"/>
             <a:r>
-              <a:rPr lang="en-US" sz="1800" b="1" dirty="0"/>
-              <a:t>IMPLEMENTASI </a:t>
-            </a:r>
-            <a:r>
-              <a:rPr lang="en-US" sz="1800" b="1" i="1" dirty="0"/>
-              <a:t>DEPTH FIRST SEARCH </a:t>
-            </a:r>
-            <a:r>
-              <a:rPr lang="en-US" sz="1800" b="1" dirty="0"/>
-              <a:t>PADA ROBOT DALAM </a:t>
-            </a:r>
-            <a:r>
-              <a:rPr lang="en-US" sz="1800" b="1" i="1" dirty="0"/>
-              <a:t>GAME</a:t>
-            </a:r>
-            <a:r>
-              <a:rPr lang="en-US" sz="1800" b="1" dirty="0"/>
-              <a:t> PENELUSURAN LABIRIN UNTUK PENGENALAN</a:t>
-            </a:r>
-            <a:br>
-              <a:rPr lang="en-ID" sz="1800" dirty="0"/>
-            </a:br>
-            <a:r>
-              <a:rPr lang="en-US" sz="1800" b="1" dirty="0"/>
-              <a:t>KONSEP PEMROGRAMAN BERBASIS BLOK</a:t>
+              <a:rPr lang="en-US" sz="1800" b="1"/>
+              <a:t>PERMAINAN PENGENALAN KONSEP PEMROGRAMAN MENGGUNAKAN ROBOT KECERDASAN BUATAN PENELUSUR LABIRIN BERBASIS VISUAL PROGRAMMING DAN INTERNET OF THINGS</a:t>
             </a:r>
             <a:endParaRPr sz="1800" dirty="0">
               <a:latin typeface="Bahiana"/>
@@ -41844,7 +41821,7 @@
             </a:r>
             <a:r>
               <a:rPr lang="en-US" sz="1600" dirty="0" err="1"/>
-              <a:t>bluetooth</a:t>
+              <a:t>wifi</a:t>
             </a:r>
             <a:r>
               <a:rPr lang="en-US" sz="1600" dirty="0"/>
@@ -41856,15 +41833,7 @@
             </a:r>
             <a:r>
               <a:rPr lang="en-US" sz="1600" dirty="0"/>
-              <a:t> </a:t>
-            </a:r>
-            <a:r>
-              <a:rPr lang="en-US" sz="1600" dirty="0" err="1"/>
-              <a:t>adalah</a:t>
-            </a:r>
-            <a:r>
-              <a:rPr lang="en-US" sz="1600" dirty="0"/>
-              <a:t> HC–05</a:t>
+              <a:t> adalah ESP8266</a:t>
             </a:r>
           </a:p>
           <a:p>
